--- a/Security Patch Managment.pptx
+++ b/Security Patch Managment.pptx
@@ -6002,15 +6002,7 @@
             <a:pPr lvl="1"/>
             <a:r>
               <a:rPr lang="nl-BE" dirty="0" smtClean="0"/>
-              <a:t>Security administrators moeten naar machines gaan als de </a:t>
-            </a:r>
-            <a:r>
-              <a:rPr lang="nl-BE" smtClean="0"/>
-              <a:t>automatische update niet </a:t>
-            </a:r>
-            <a:r>
-              <a:rPr lang="nl-BE" dirty="0" smtClean="0"/>
-              <a:t>gelukt is</a:t>
+              <a:t>Security administrators moeten naar machines gaan als de automatische update niet gelukt is</a:t>
             </a:r>
           </a:p>
           <a:p>
@@ -6235,6 +6227,13 @@
   <p:clrMapOvr>
     <a:masterClrMapping/>
   </p:clrMapOvr>
+  <p:timing>
+    <p:tnLst>
+      <p:par>
+        <p:cTn id="1" dur="indefinite" restart="never" nodeType="tmRoot"/>
+      </p:par>
+    </p:tnLst>
+  </p:timing>
 </p:sld>
 </file>
 
@@ -6380,6 +6379,13 @@
   <p:clrMapOvr>
     <a:masterClrMapping/>
   </p:clrMapOvr>
+  <p:timing>
+    <p:tnLst>
+      <p:par>
+        <p:cTn id="1" dur="indefinite" restart="never" nodeType="tmRoot"/>
+      </p:par>
+    </p:tnLst>
+  </p:timing>
 </p:sld>
 </file>
 
@@ -6853,7 +6859,7 @@
             <a:pPr lvl="2"/>
             <a:r>
               <a:rPr lang="nl-BE" sz="1600" i="1" dirty="0" smtClean="0"/>
-              <a:t>95% of security </a:t>
+              <a:t>CERT: 95% of security </a:t>
             </a:r>
             <a:r>
               <a:rPr lang="nl-BE" sz="1600" i="1" dirty="0" err="1" smtClean="0"/>
@@ -7407,12 +7413,8 @@
               <a:t> van </a:t>
             </a:r>
             <a:r>
-              <a:rPr lang="en-US" sz="2000" dirty="0" err="1" smtClean="0"/>
-              <a:t>patchmanagement</a:t>
-            </a:r>
-            <a:r>
               <a:rPr lang="en-US" sz="2000" dirty="0" smtClean="0"/>
-              <a:t> </a:t>
+              <a:t>patch management </a:t>
             </a:r>
             <a:r>
               <a:rPr lang="en-US" sz="2000" dirty="0" err="1" smtClean="0"/>
